--- a/PräsentationsZeug/Präsentation.pptx
+++ b/PräsentationsZeug/Präsentation.pptx
@@ -9,6 +9,8 @@
     <p:sldId id="257" r:id="rId3"/>
     <p:sldId id="258" r:id="rId4"/>
     <p:sldId id="259" r:id="rId5"/>
+    <p:sldId id="260" r:id="rId6"/>
+    <p:sldId id="261" r:id="rId7"/>
   </p:sldIdLst>
   <p:sldSz cx="12192000" cy="6858000"/>
   <p:notesSz cx="6858000" cy="9144000"/>
@@ -107,6 +109,11 @@
       </a:defRPr>
     </a:lvl9pPr>
   </p:defaultTextStyle>
+  <p:extLst>
+    <p:ext uri="{EFAFB233-063F-42B5-8137-9DF3F51BA10A}">
+      <p15:sldGuideLst xmlns:p15="http://schemas.microsoft.com/office/powerpoint/2012/main"/>
+    </p:ext>
+  </p:extLst>
 </p:presentation>
 </file>
 
@@ -4460,31 +4467,6 @@
       </p:grpSpPr>
       <p:sp>
         <p:nvSpPr>
-          <p:cNvPr id="2" name="Titel 1">
-            <a:extLst>
-              <a:ext uri="{FF2B5EF4-FFF2-40B4-BE49-F238E27FC236}">
-                <a16:creationId xmlns:a16="http://schemas.microsoft.com/office/drawing/2014/main" id="{42000F3B-34DA-41D0-A94D-B478EF2E70CE}"/>
-              </a:ext>
-            </a:extLst>
-          </p:cNvPr>
-          <p:cNvSpPr>
-            <a:spLocks noGrp="1"/>
-          </p:cNvSpPr>
-          <p:nvPr>
-            <p:ph type="title"/>
-          </p:nvPr>
-        </p:nvSpPr>
-        <p:spPr/>
-        <p:txBody>
-          <a:bodyPr/>
-          <a:lstStyle/>
-          <a:p>
-            <a:endParaRPr lang="en-GB" dirty="0"/>
-          </a:p>
-        </p:txBody>
-      </p:sp>
-      <p:sp>
-        <p:nvSpPr>
           <p:cNvPr id="3" name="Inhaltsplatzhalter 2">
             <a:extLst>
               <a:ext uri="{FF2B5EF4-FFF2-40B4-BE49-F238E27FC236}">
@@ -4499,9 +4481,16 @@
             <p:ph idx="1"/>
           </p:nvPr>
         </p:nvSpPr>
-        <p:spPr/>
-        <p:txBody>
-          <a:bodyPr/>
+        <p:spPr>
+          <a:xfrm>
+            <a:off x="1371600" y="765958"/>
+            <a:ext cx="10241280" cy="5305658"/>
+          </a:xfrm>
+        </p:spPr>
+        <p:txBody>
+          <a:bodyPr>
+            <a:normAutofit/>
+          </a:bodyPr>
           <a:lstStyle/>
           <a:p>
             <a:pPr marL="0" indent="0">
@@ -4525,17 +4514,17 @@
               <a:buNone/>
             </a:pPr>
             <a:r>
-              <a:rPr lang="en-GB"/>
+              <a:rPr lang="en-GB" dirty="0"/>
               <a:t>	</a:t>
             </a:r>
             <a:r>
-              <a:rPr lang="en-GB">
+              <a:rPr lang="en-GB" dirty="0">
                 <a:sym typeface="Wingdings" panose="05000000000000000000" pitchFamily="2" charset="2"/>
               </a:rPr>
               <a:t>- </a:t>
             </a:r>
             <a:r>
-              <a:rPr lang="en-GB"/>
+              <a:rPr lang="en-GB" dirty="0"/>
               <a:t>Leute </a:t>
             </a:r>
             <a:r>
@@ -4644,6 +4633,35 @@
               <a:t>ist</a:t>
             </a:r>
             <a:endParaRPr lang="en-GB" dirty="0"/>
+          </a:p>
+          <a:p>
+            <a:pPr marL="0" indent="0">
+              <a:buNone/>
+            </a:pPr>
+            <a:endParaRPr lang="en-GB" dirty="0"/>
+          </a:p>
+          <a:p>
+            <a:pPr marL="0" indent="0">
+              <a:buNone/>
+            </a:pPr>
+            <a:endParaRPr lang="en-GB" dirty="0"/>
+          </a:p>
+          <a:p>
+            <a:pPr marL="0" indent="0">
+              <a:buNone/>
+            </a:pPr>
+            <a:r>
+              <a:rPr lang="en-GB" dirty="0"/>
+              <a:t>----------------------------------------- </a:t>
+            </a:r>
+            <a:r>
+              <a:rPr lang="en-GB" dirty="0" err="1"/>
+              <a:t>Roboter-Spinne</a:t>
+            </a:r>
+            <a:r>
+              <a:rPr lang="en-GB" dirty="0"/>
+              <a:t> ---------------------------------------</a:t>
+            </a:r>
           </a:p>
         </p:txBody>
       </p:sp>
@@ -4651,6 +4669,839 @@
     <p:extLst>
       <p:ext uri="{BB962C8B-B14F-4D97-AF65-F5344CB8AC3E}">
         <p14:creationId xmlns:p14="http://schemas.microsoft.com/office/powerpoint/2010/main" val="2567061691"/>
+      </p:ext>
+    </p:extLst>
+  </p:cSld>
+  <p:clrMapOvr>
+    <a:masterClrMapping/>
+  </p:clrMapOvr>
+</p:sld>
+</file>
+
+<file path=ppt/slides/slide5.xml><?xml version="1.0" encoding="utf-8"?>
+<p:sld xmlns:a="http://schemas.openxmlformats.org/drawingml/2006/main" xmlns:r="http://schemas.openxmlformats.org/officeDocument/2006/relationships" xmlns:p="http://schemas.openxmlformats.org/presentationml/2006/main">
+  <p:cSld>
+    <p:bg>
+      <p:bgPr>
+        <a:solidFill>
+          <a:schemeClr val="bg1"/>
+        </a:solidFill>
+        <a:effectLst/>
+      </p:bgPr>
+    </p:bg>
+    <p:spTree>
+      <p:nvGrpSpPr>
+        <p:cNvPr id="1" name=""/>
+        <p:cNvGrpSpPr/>
+        <p:nvPr/>
+      </p:nvGrpSpPr>
+      <p:grpSpPr>
+        <a:xfrm>
+          <a:off x="0" y="0"/>
+          <a:ext cx="0" cy="0"/>
+          <a:chOff x="0" y="0"/>
+          <a:chExt cx="0" cy="0"/>
+        </a:xfrm>
+      </p:grpSpPr>
+      <p:sp useBgFill="1">
+        <p:nvSpPr>
+          <p:cNvPr id="14" name="Rectangle 13">
+            <a:extLst>
+              <a:ext uri="{FF2B5EF4-FFF2-40B4-BE49-F238E27FC236}">
+                <a16:creationId xmlns:a16="http://schemas.microsoft.com/office/drawing/2014/main" id="{7DE2C2FD-E004-4D9F-8114-036DC61BD316}"/>
+              </a:ext>
+              <a:ext uri="{C183D7F6-B498-43B3-948B-1728B52AA6E4}">
+                <adec:decorative xmlns:adec="http://schemas.microsoft.com/office/drawing/2017/decorative" val="1"/>
+              </a:ext>
+            </a:extLst>
+          </p:cNvPr>
+          <p:cNvSpPr>
+            <a:spLocks noGrp="1" noRot="1" noChangeAspect="1" noMove="1" noResize="1" noEditPoints="1" noAdjustHandles="1" noChangeArrowheads="1" noChangeShapeType="1" noTextEdit="1"/>
+          </p:cNvSpPr>
+          <p:nvPr>
+            <p:extLst>
+              <p:ext uri="{386F3935-93C4-4BCD-93E2-E3B085C9AB24}">
+                <p16:designElem xmlns:p16="http://schemas.microsoft.com/office/powerpoint/2015/main" val="1"/>
+              </p:ext>
+            </p:extLst>
+          </p:nvPr>
+        </p:nvSpPr>
+        <p:spPr>
+          <a:xfrm>
+            <a:off x="0" y="0"/>
+            <a:ext cx="12192000" cy="6858000"/>
+          </a:xfrm>
+          <a:prstGeom prst="rect">
+            <a:avLst/>
+          </a:prstGeom>
+          <a:ln w="12700" cap="flat" cmpd="sng" algn="ctr">
+            <a:noFill/>
+            <a:prstDash val="solid"/>
+            <a:miter lim="800000"/>
+          </a:ln>
+          <a:effectLst/>
+          <a:extLst>
+            <a:ext uri="{91240B29-F687-4F45-9708-019B960494DF}">
+              <a14:hiddenLine xmlns:a14="http://schemas.microsoft.com/office/drawing/2010/main" w="12700" cap="flat" cmpd="sng" algn="ctr">
+                <a:solidFill>
+                  <a:schemeClr val="accent1">
+                    <a:shade val="50000"/>
+                  </a:schemeClr>
+                </a:solidFill>
+                <a:prstDash val="solid"/>
+                <a:miter lim="800000"/>
+              </a14:hiddenLine>
+            </a:ext>
+          </a:extLst>
+        </p:spPr>
+        <p:style>
+          <a:lnRef idx="2">
+            <a:schemeClr val="accent1">
+              <a:shade val="50000"/>
+            </a:schemeClr>
+          </a:lnRef>
+          <a:fillRef idx="1">
+            <a:schemeClr val="accent1"/>
+          </a:fillRef>
+          <a:effectRef idx="0">
+            <a:schemeClr val="accent1"/>
+          </a:effectRef>
+          <a:fontRef idx="minor">
+            <a:schemeClr val="lt1"/>
+          </a:fontRef>
+        </p:style>
+        <p:txBody>
+          <a:bodyPr rtlCol="0" anchor="ctr"/>
+          <a:lstStyle/>
+          <a:p>
+            <a:pPr algn="ctr"/>
+            <a:endParaRPr lang="en-US"/>
+          </a:p>
+        </p:txBody>
+      </p:sp>
+      <p:sp>
+        <p:nvSpPr>
+          <p:cNvPr id="2" name="Titel 1">
+            <a:extLst>
+              <a:ext uri="{FF2B5EF4-FFF2-40B4-BE49-F238E27FC236}">
+                <a16:creationId xmlns:a16="http://schemas.microsoft.com/office/drawing/2014/main" id="{35B54B44-EF43-4CCA-A447-104EA3DB5E68}"/>
+              </a:ext>
+            </a:extLst>
+          </p:cNvPr>
+          <p:cNvSpPr>
+            <a:spLocks noGrp="1"/>
+          </p:cNvSpPr>
+          <p:nvPr>
+            <p:ph type="title"/>
+          </p:nvPr>
+        </p:nvSpPr>
+        <p:spPr>
+          <a:xfrm>
+            <a:off x="1371601" y="457199"/>
+            <a:ext cx="9556320" cy="1009523"/>
+          </a:xfrm>
+        </p:spPr>
+        <p:txBody>
+          <a:bodyPr>
+            <a:normAutofit/>
+          </a:bodyPr>
+          <a:lstStyle/>
+          <a:p>
+            <a:pPr algn="r"/>
+            <a:r>
+              <a:rPr lang="en-GB" dirty="0"/>
+              <a:t>TimeLine</a:t>
+            </a:r>
+            <a:endParaRPr lang="en-GB"/>
+          </a:p>
+        </p:txBody>
+      </p:sp>
+      <p:sp>
+        <p:nvSpPr>
+          <p:cNvPr id="16" name="Rectangle 15">
+            <a:extLst>
+              <a:ext uri="{FF2B5EF4-FFF2-40B4-BE49-F238E27FC236}">
+                <a16:creationId xmlns:a16="http://schemas.microsoft.com/office/drawing/2014/main" id="{8FC204CD-18A5-4523-8283-B1288474E9D7}"/>
+              </a:ext>
+              <a:ext uri="{C183D7F6-B498-43B3-948B-1728B52AA6E4}">
+                <adec:decorative xmlns:adec="http://schemas.microsoft.com/office/drawing/2017/decorative" val="1"/>
+              </a:ext>
+            </a:extLst>
+          </p:cNvPr>
+          <p:cNvSpPr>
+            <a:spLocks noGrp="1" noRot="1" noChangeAspect="1" noMove="1" noResize="1" noEditPoints="1" noAdjustHandles="1" noChangeArrowheads="1" noChangeShapeType="1" noTextEdit="1"/>
+          </p:cNvSpPr>
+          <p:nvPr>
+            <p:extLst>
+              <p:ext uri="{386F3935-93C4-4BCD-93E2-E3B085C9AB24}">
+                <p16:designElem xmlns:p16="http://schemas.microsoft.com/office/powerpoint/2015/main" val="1"/>
+              </p:ext>
+            </p:extLst>
+          </p:nvPr>
+        </p:nvSpPr>
+        <p:spPr>
+          <a:xfrm rot="10800000" flipH="1">
+            <a:off x="0" y="6400799"/>
+            <a:ext cx="12192000" cy="456773"/>
+          </a:xfrm>
+          <a:prstGeom prst="rect">
+            <a:avLst/>
+          </a:prstGeom>
+          <a:gradFill>
+            <a:gsLst>
+              <a:gs pos="14000">
+                <a:schemeClr val="accent4">
+                  <a:alpha val="28000"/>
+                </a:schemeClr>
+              </a:gs>
+              <a:gs pos="100000">
+                <a:schemeClr val="accent5">
+                  <a:alpha val="85000"/>
+                </a:schemeClr>
+              </a:gs>
+            </a:gsLst>
+            <a:lin ang="6000000" scaled="0"/>
+          </a:gradFill>
+          <a:ln>
+            <a:noFill/>
+          </a:ln>
+        </p:spPr>
+        <p:style>
+          <a:lnRef idx="2">
+            <a:schemeClr val="accent1">
+              <a:shade val="50000"/>
+            </a:schemeClr>
+          </a:lnRef>
+          <a:fillRef idx="1">
+            <a:schemeClr val="accent1"/>
+          </a:fillRef>
+          <a:effectRef idx="0">
+            <a:schemeClr val="accent1"/>
+          </a:effectRef>
+          <a:fontRef idx="minor">
+            <a:schemeClr val="lt1"/>
+          </a:fontRef>
+        </p:style>
+        <p:txBody>
+          <a:bodyPr rtlCol="0" anchor="ctr"/>
+          <a:lstStyle/>
+          <a:p>
+            <a:pPr algn="ctr"/>
+            <a:endParaRPr lang="en-US"/>
+          </a:p>
+        </p:txBody>
+      </p:sp>
+      <p:sp>
+        <p:nvSpPr>
+          <p:cNvPr id="18" name="Rectangle 17">
+            <a:extLst>
+              <a:ext uri="{FF2B5EF4-FFF2-40B4-BE49-F238E27FC236}">
+                <a16:creationId xmlns:a16="http://schemas.microsoft.com/office/drawing/2014/main" id="{395C168E-B52D-46FA-9CE0-8C265047392C}"/>
+              </a:ext>
+              <a:ext uri="{C183D7F6-B498-43B3-948B-1728B52AA6E4}">
+                <adec:decorative xmlns:adec="http://schemas.microsoft.com/office/drawing/2017/decorative" val="1"/>
+              </a:ext>
+            </a:extLst>
+          </p:cNvPr>
+          <p:cNvSpPr>
+            <a:spLocks noGrp="1" noRot="1" noChangeAspect="1" noMove="1" noResize="1" noEditPoints="1" noAdjustHandles="1" noChangeArrowheads="1" noChangeShapeType="1" noTextEdit="1"/>
+          </p:cNvSpPr>
+          <p:nvPr>
+            <p:extLst>
+              <p:ext uri="{386F3935-93C4-4BCD-93E2-E3B085C9AB24}">
+                <p16:designElem xmlns:p16="http://schemas.microsoft.com/office/powerpoint/2015/main" val="1"/>
+              </p:ext>
+            </p:extLst>
+          </p:nvPr>
+        </p:nvSpPr>
+        <p:spPr>
+          <a:xfrm flipH="1">
+            <a:off x="4038600" y="6400799"/>
+            <a:ext cx="8153398" cy="456772"/>
+          </a:xfrm>
+          <a:prstGeom prst="rect">
+            <a:avLst/>
+          </a:prstGeom>
+          <a:gradFill>
+            <a:gsLst>
+              <a:gs pos="9000">
+                <a:schemeClr val="accent2">
+                  <a:lumMod val="60000"/>
+                  <a:lumOff val="40000"/>
+                  <a:alpha val="60000"/>
+                </a:schemeClr>
+              </a:gs>
+              <a:gs pos="99000">
+                <a:schemeClr val="accent2"/>
+              </a:gs>
+            </a:gsLst>
+            <a:lin ang="14400000" scaled="0"/>
+          </a:gradFill>
+          <a:ln>
+            <a:noFill/>
+          </a:ln>
+        </p:spPr>
+        <p:style>
+          <a:lnRef idx="2">
+            <a:schemeClr val="accent1">
+              <a:shade val="50000"/>
+            </a:schemeClr>
+          </a:lnRef>
+          <a:fillRef idx="1">
+            <a:schemeClr val="accent1"/>
+          </a:fillRef>
+          <a:effectRef idx="0">
+            <a:schemeClr val="accent1"/>
+          </a:effectRef>
+          <a:fontRef idx="minor">
+            <a:schemeClr val="lt1"/>
+          </a:fontRef>
+        </p:style>
+        <p:txBody>
+          <a:bodyPr rtlCol="0" anchor="ctr"/>
+          <a:lstStyle/>
+          <a:p>
+            <a:pPr algn="ctr"/>
+            <a:endParaRPr lang="en-US"/>
+          </a:p>
+        </p:txBody>
+      </p:sp>
+      <p:pic>
+        <p:nvPicPr>
+          <p:cNvPr id="15" name="Grafik 14">
+            <a:extLst>
+              <a:ext uri="{FF2B5EF4-FFF2-40B4-BE49-F238E27FC236}">
+                <a16:creationId xmlns:a16="http://schemas.microsoft.com/office/drawing/2014/main" id="{57E3E51E-CBC2-40B0-A9D9-401DE29B4CEE}"/>
+              </a:ext>
+            </a:extLst>
+          </p:cNvPr>
+          <p:cNvPicPr>
+            <a:picLocks noChangeAspect="1"/>
+          </p:cNvPicPr>
+          <p:nvPr/>
+        </p:nvPicPr>
+        <p:blipFill>
+          <a:blip r:embed="rId2"/>
+          <a:stretch>
+            <a:fillRect/>
+          </a:stretch>
+        </p:blipFill>
+        <p:spPr>
+          <a:xfrm rot="254146">
+            <a:off x="6480713" y="1705634"/>
+            <a:ext cx="4553509" cy="4980401"/>
+          </a:xfrm>
+          <a:prstGeom prst="rect">
+            <a:avLst/>
+          </a:prstGeom>
+        </p:spPr>
+      </p:pic>
+      <p:pic>
+        <p:nvPicPr>
+          <p:cNvPr id="19" name="Grafik 18">
+            <a:extLst>
+              <a:ext uri="{FF2B5EF4-FFF2-40B4-BE49-F238E27FC236}">
+                <a16:creationId xmlns:a16="http://schemas.microsoft.com/office/drawing/2014/main" id="{C3C0894B-F980-475B-B67C-6CBFC9FFFBED}"/>
+              </a:ext>
+            </a:extLst>
+          </p:cNvPr>
+          <p:cNvPicPr>
+            <a:picLocks noChangeAspect="1"/>
+          </p:cNvPicPr>
+          <p:nvPr/>
+        </p:nvPicPr>
+        <p:blipFill>
+          <a:blip r:embed="rId3"/>
+          <a:stretch>
+            <a:fillRect/>
+          </a:stretch>
+        </p:blipFill>
+        <p:spPr>
+          <a:xfrm rot="21333672">
+            <a:off x="408412" y="809619"/>
+            <a:ext cx="4845098" cy="5238762"/>
+          </a:xfrm>
+          <a:prstGeom prst="rect">
+            <a:avLst/>
+          </a:prstGeom>
+        </p:spPr>
+      </p:pic>
+      <p:pic>
+        <p:nvPicPr>
+          <p:cNvPr id="7" name="Inhaltsplatzhalter 6" descr="Ein Bild, das Text, Computer, drinnen, Tastatur enthält.&#10;&#10;Automatisch generierte Beschreibung">
+            <a:extLst>
+              <a:ext uri="{FF2B5EF4-FFF2-40B4-BE49-F238E27FC236}">
+                <a16:creationId xmlns:a16="http://schemas.microsoft.com/office/drawing/2014/main" id="{37B86842-3F05-4315-91FC-33F5231F933C}"/>
+              </a:ext>
+            </a:extLst>
+          </p:cNvPr>
+          <p:cNvPicPr>
+            <a:picLocks noChangeAspect="1"/>
+          </p:cNvPicPr>
+          <p:nvPr/>
+        </p:nvPicPr>
+        <p:blipFill rotWithShape="1">
+          <a:blip r:embed="rId4">
+            <a:extLst>
+              <a:ext uri="{28A0092B-C50C-407E-A947-70E740481C1C}">
+                <a14:useLocalDpi xmlns:a14="http://schemas.microsoft.com/office/drawing/2010/main" val="0"/>
+              </a:ext>
+            </a:extLst>
+          </a:blip>
+          <a:srcRect t="2354" r="2" b="8052"/>
+          <a:stretch/>
+        </p:blipFill>
+        <p:spPr>
+          <a:xfrm rot="20816661">
+            <a:off x="339073" y="2226365"/>
+            <a:ext cx="6343191" cy="3196820"/>
+          </a:xfrm>
+          <a:prstGeom prst="rect">
+            <a:avLst/>
+          </a:prstGeom>
+        </p:spPr>
+      </p:pic>
+      <p:pic>
+        <p:nvPicPr>
+          <p:cNvPr id="5" name="Grafik 4">
+            <a:extLst>
+              <a:ext uri="{FF2B5EF4-FFF2-40B4-BE49-F238E27FC236}">
+                <a16:creationId xmlns:a16="http://schemas.microsoft.com/office/drawing/2014/main" id="{7E44600E-895F-4C7C-A0BC-E031FC2B6125}"/>
+              </a:ext>
+            </a:extLst>
+          </p:cNvPr>
+          <p:cNvPicPr>
+            <a:picLocks noChangeAspect="1"/>
+          </p:cNvPicPr>
+          <p:nvPr/>
+        </p:nvPicPr>
+        <p:blipFill rotWithShape="1">
+          <a:blip r:embed="rId5"/>
+          <a:srcRect r="-2" b="8258"/>
+          <a:stretch/>
+        </p:blipFill>
+        <p:spPr>
+          <a:xfrm rot="603532">
+            <a:off x="6841343" y="1986597"/>
+            <a:ext cx="5299221" cy="2661696"/>
+          </a:xfrm>
+          <a:prstGeom prst="rect">
+            <a:avLst/>
+          </a:prstGeom>
+        </p:spPr>
+      </p:pic>
+      <p:pic>
+        <p:nvPicPr>
+          <p:cNvPr id="12" name="Grafik 11" descr="Ein Bild, das Essen enthält.&#10;&#10;Automatisch generierte Beschreibung">
+            <a:extLst>
+              <a:ext uri="{FF2B5EF4-FFF2-40B4-BE49-F238E27FC236}">
+                <a16:creationId xmlns:a16="http://schemas.microsoft.com/office/drawing/2014/main" id="{C9063EB4-8FB0-4DA9-98EF-5355E94B95D0}"/>
+              </a:ext>
+            </a:extLst>
+          </p:cNvPr>
+          <p:cNvPicPr>
+            <a:picLocks noChangeAspect="1"/>
+          </p:cNvPicPr>
+          <p:nvPr/>
+        </p:nvPicPr>
+        <p:blipFill>
+          <a:blip r:embed="rId6">
+            <a:extLst>
+              <a:ext uri="{28A0092B-C50C-407E-A947-70E740481C1C}">
+                <a14:useLocalDpi xmlns:a14="http://schemas.microsoft.com/office/drawing/2010/main" val="0"/>
+              </a:ext>
+            </a:extLst>
+          </a:blip>
+          <a:stretch>
+            <a:fillRect/>
+          </a:stretch>
+        </p:blipFill>
+        <p:spPr>
+          <a:xfrm rot="563376">
+            <a:off x="513487" y="527455"/>
+            <a:ext cx="5790668" cy="4343002"/>
+          </a:xfrm>
+          <a:prstGeom prst="rect">
+            <a:avLst/>
+          </a:prstGeom>
+        </p:spPr>
+      </p:pic>
+      <p:pic>
+        <p:nvPicPr>
+          <p:cNvPr id="9" name="Inhaltsplatzhalter 8" descr="Ein Bild, das Boden, drinnen, Tisch, aus Holz enthält.&#10;&#10;Automatisch generierte Beschreibung">
+            <a:extLst>
+              <a:ext uri="{FF2B5EF4-FFF2-40B4-BE49-F238E27FC236}">
+                <a16:creationId xmlns:a16="http://schemas.microsoft.com/office/drawing/2014/main" id="{DC5DF07E-D6FC-4C63-A62A-0C6DD94993D3}"/>
+              </a:ext>
+            </a:extLst>
+          </p:cNvPr>
+          <p:cNvPicPr>
+            <a:picLocks noGrp="1" noChangeAspect="1"/>
+          </p:cNvPicPr>
+          <p:nvPr>
+            <p:ph idx="1"/>
+          </p:nvPr>
+        </p:nvPicPr>
+        <p:blipFill>
+          <a:blip r:embed="rId7">
+            <a:extLst>
+              <a:ext uri="{28A0092B-C50C-407E-A947-70E740481C1C}">
+                <a14:useLocalDpi xmlns:a14="http://schemas.microsoft.com/office/drawing/2010/main" val="0"/>
+              </a:ext>
+            </a:extLst>
+          </a:blip>
+          <a:stretch>
+            <a:fillRect/>
+          </a:stretch>
+        </p:blipFill>
+        <p:spPr>
+          <a:xfrm rot="20983433">
+            <a:off x="6588382" y="2565813"/>
+            <a:ext cx="5320358" cy="3990270"/>
+          </a:xfrm>
+        </p:spPr>
+      </p:pic>
+    </p:spTree>
+    <p:extLst>
+      <p:ext uri="{BB962C8B-B14F-4D97-AF65-F5344CB8AC3E}">
+        <p14:creationId xmlns:p14="http://schemas.microsoft.com/office/powerpoint/2010/main" val="3842242260"/>
+      </p:ext>
+    </p:extLst>
+  </p:cSld>
+  <p:clrMapOvr>
+    <a:masterClrMapping/>
+  </p:clrMapOvr>
+  <p:timing>
+    <p:tnLst>
+      <p:par>
+        <p:cTn id="1" dur="indefinite" restart="never" nodeType="tmRoot">
+          <p:childTnLst>
+            <p:seq concurrent="1" nextAc="seek">
+              <p:cTn id="2" dur="indefinite" nodeType="mainSeq">
+                <p:childTnLst>
+                  <p:par>
+                    <p:cTn id="3" fill="hold">
+                      <p:stCondLst>
+                        <p:cond delay="indefinite"/>
+                      </p:stCondLst>
+                      <p:childTnLst>
+                        <p:par>
+                          <p:cTn id="4" fill="hold">
+                            <p:stCondLst>
+                              <p:cond delay="0"/>
+                            </p:stCondLst>
+                            <p:childTnLst>
+                              <p:par>
+                                <p:cTn id="5" presetID="1" presetClass="entr" presetSubtype="0" fill="hold" nodeType="clickEffect">
+                                  <p:stCondLst>
+                                    <p:cond delay="0"/>
+                                  </p:stCondLst>
+                                  <p:childTnLst>
+                                    <p:set>
+                                      <p:cBhvr>
+                                        <p:cTn id="6" dur="1" fill="hold">
+                                          <p:stCondLst>
+                                            <p:cond delay="0"/>
+                                          </p:stCondLst>
+                                        </p:cTn>
+                                        <p:tgtEl>
+                                          <p:spTgt spid="19"/>
+                                        </p:tgtEl>
+                                        <p:attrNameLst>
+                                          <p:attrName>style.visibility</p:attrName>
+                                        </p:attrNameLst>
+                                      </p:cBhvr>
+                                      <p:to>
+                                        <p:strVal val="visible"/>
+                                      </p:to>
+                                    </p:set>
+                                  </p:childTnLst>
+                                </p:cTn>
+                              </p:par>
+                              <p:par>
+                                <p:cTn id="7" presetID="1" presetClass="entr" presetSubtype="0" fill="hold" nodeType="withEffect">
+                                  <p:stCondLst>
+                                    <p:cond delay="0"/>
+                                  </p:stCondLst>
+                                  <p:childTnLst>
+                                    <p:set>
+                                      <p:cBhvr>
+                                        <p:cTn id="8" dur="1" fill="hold">
+                                          <p:stCondLst>
+                                            <p:cond delay="0"/>
+                                          </p:stCondLst>
+                                        </p:cTn>
+                                        <p:tgtEl>
+                                          <p:spTgt spid="15"/>
+                                        </p:tgtEl>
+                                        <p:attrNameLst>
+                                          <p:attrName>style.visibility</p:attrName>
+                                        </p:attrNameLst>
+                                      </p:cBhvr>
+                                      <p:to>
+                                        <p:strVal val="visible"/>
+                                      </p:to>
+                                    </p:set>
+                                  </p:childTnLst>
+                                </p:cTn>
+                              </p:par>
+                            </p:childTnLst>
+                          </p:cTn>
+                        </p:par>
+                      </p:childTnLst>
+                    </p:cTn>
+                  </p:par>
+                  <p:par>
+                    <p:cTn id="9" fill="hold">
+                      <p:stCondLst>
+                        <p:cond delay="indefinite"/>
+                      </p:stCondLst>
+                      <p:childTnLst>
+                        <p:par>
+                          <p:cTn id="10" fill="hold">
+                            <p:stCondLst>
+                              <p:cond delay="0"/>
+                            </p:stCondLst>
+                            <p:childTnLst>
+                              <p:par>
+                                <p:cTn id="11" presetID="1" presetClass="entr" presetSubtype="0" fill="hold" nodeType="clickEffect">
+                                  <p:stCondLst>
+                                    <p:cond delay="0"/>
+                                  </p:stCondLst>
+                                  <p:childTnLst>
+                                    <p:set>
+                                      <p:cBhvr>
+                                        <p:cTn id="12" dur="1" fill="hold">
+                                          <p:stCondLst>
+                                            <p:cond delay="0"/>
+                                          </p:stCondLst>
+                                        </p:cTn>
+                                        <p:tgtEl>
+                                          <p:spTgt spid="7"/>
+                                        </p:tgtEl>
+                                        <p:attrNameLst>
+                                          <p:attrName>style.visibility</p:attrName>
+                                        </p:attrNameLst>
+                                      </p:cBhvr>
+                                      <p:to>
+                                        <p:strVal val="visible"/>
+                                      </p:to>
+                                    </p:set>
+                                  </p:childTnLst>
+                                </p:cTn>
+                              </p:par>
+                              <p:par>
+                                <p:cTn id="13" presetID="1" presetClass="entr" presetSubtype="0" fill="hold" nodeType="withEffect">
+                                  <p:stCondLst>
+                                    <p:cond delay="0"/>
+                                  </p:stCondLst>
+                                  <p:childTnLst>
+                                    <p:set>
+                                      <p:cBhvr>
+                                        <p:cTn id="14" dur="1" fill="hold">
+                                          <p:stCondLst>
+                                            <p:cond delay="0"/>
+                                          </p:stCondLst>
+                                        </p:cTn>
+                                        <p:tgtEl>
+                                          <p:spTgt spid="5"/>
+                                        </p:tgtEl>
+                                        <p:attrNameLst>
+                                          <p:attrName>style.visibility</p:attrName>
+                                        </p:attrNameLst>
+                                      </p:cBhvr>
+                                      <p:to>
+                                        <p:strVal val="visible"/>
+                                      </p:to>
+                                    </p:set>
+                                  </p:childTnLst>
+                                </p:cTn>
+                              </p:par>
+                            </p:childTnLst>
+                          </p:cTn>
+                        </p:par>
+                      </p:childTnLst>
+                    </p:cTn>
+                  </p:par>
+                  <p:par>
+                    <p:cTn id="15" fill="hold">
+                      <p:stCondLst>
+                        <p:cond delay="indefinite"/>
+                      </p:stCondLst>
+                      <p:childTnLst>
+                        <p:par>
+                          <p:cTn id="16" fill="hold">
+                            <p:stCondLst>
+                              <p:cond delay="0"/>
+                            </p:stCondLst>
+                            <p:childTnLst>
+                              <p:par>
+                                <p:cTn id="17" presetID="1" presetClass="entr" presetSubtype="0" fill="hold" nodeType="clickEffect">
+                                  <p:stCondLst>
+                                    <p:cond delay="0"/>
+                                  </p:stCondLst>
+                                  <p:childTnLst>
+                                    <p:set>
+                                      <p:cBhvr>
+                                        <p:cTn id="18" dur="1" fill="hold">
+                                          <p:stCondLst>
+                                            <p:cond delay="0"/>
+                                          </p:stCondLst>
+                                        </p:cTn>
+                                        <p:tgtEl>
+                                          <p:spTgt spid="12"/>
+                                        </p:tgtEl>
+                                        <p:attrNameLst>
+                                          <p:attrName>style.visibility</p:attrName>
+                                        </p:attrNameLst>
+                                      </p:cBhvr>
+                                      <p:to>
+                                        <p:strVal val="visible"/>
+                                      </p:to>
+                                    </p:set>
+                                  </p:childTnLst>
+                                </p:cTn>
+                              </p:par>
+                              <p:par>
+                                <p:cTn id="19" presetID="1" presetClass="entr" presetSubtype="0" fill="hold" nodeType="withEffect">
+                                  <p:stCondLst>
+                                    <p:cond delay="0"/>
+                                  </p:stCondLst>
+                                  <p:childTnLst>
+                                    <p:set>
+                                      <p:cBhvr>
+                                        <p:cTn id="20" dur="1" fill="hold">
+                                          <p:stCondLst>
+                                            <p:cond delay="0"/>
+                                          </p:stCondLst>
+                                        </p:cTn>
+                                        <p:tgtEl>
+                                          <p:spTgt spid="9"/>
+                                        </p:tgtEl>
+                                        <p:attrNameLst>
+                                          <p:attrName>style.visibility</p:attrName>
+                                        </p:attrNameLst>
+                                      </p:cBhvr>
+                                      <p:to>
+                                        <p:strVal val="visible"/>
+                                      </p:to>
+                                    </p:set>
+                                  </p:childTnLst>
+                                </p:cTn>
+                              </p:par>
+                            </p:childTnLst>
+                          </p:cTn>
+                        </p:par>
+                      </p:childTnLst>
+                    </p:cTn>
+                  </p:par>
+                </p:childTnLst>
+              </p:cTn>
+              <p:prevCondLst>
+                <p:cond evt="onPrev" delay="0">
+                  <p:tgtEl>
+                    <p:sldTgt/>
+                  </p:tgtEl>
+                </p:cond>
+              </p:prevCondLst>
+              <p:nextCondLst>
+                <p:cond evt="onNext" delay="0">
+                  <p:tgtEl>
+                    <p:sldTgt/>
+                  </p:tgtEl>
+                </p:cond>
+              </p:nextCondLst>
+            </p:seq>
+          </p:childTnLst>
+        </p:cTn>
+      </p:par>
+    </p:tnLst>
+  </p:timing>
+</p:sld>
+</file>
+
+<file path=ppt/slides/slide6.xml><?xml version="1.0" encoding="utf-8"?>
+<p:sld xmlns:a="http://schemas.openxmlformats.org/drawingml/2006/main" xmlns:r="http://schemas.openxmlformats.org/officeDocument/2006/relationships" xmlns:p="http://schemas.openxmlformats.org/presentationml/2006/main">
+  <p:cSld>
+    <p:spTree>
+      <p:nvGrpSpPr>
+        <p:cNvPr id="1" name=""/>
+        <p:cNvGrpSpPr/>
+        <p:nvPr/>
+      </p:nvGrpSpPr>
+      <p:grpSpPr>
+        <a:xfrm>
+          <a:off x="0" y="0"/>
+          <a:ext cx="0" cy="0"/>
+          <a:chOff x="0" y="0"/>
+          <a:chExt cx="0" cy="0"/>
+        </a:xfrm>
+      </p:grpSpPr>
+      <p:sp>
+        <p:nvSpPr>
+          <p:cNvPr id="2" name="Titel 1">
+            <a:extLst>
+              <a:ext uri="{FF2B5EF4-FFF2-40B4-BE49-F238E27FC236}">
+                <a16:creationId xmlns:a16="http://schemas.microsoft.com/office/drawing/2014/main" id="{6BD3A817-5943-48D1-8399-652BDFA6F6AF}"/>
+              </a:ext>
+            </a:extLst>
+          </p:cNvPr>
+          <p:cNvSpPr>
+            <a:spLocks noGrp="1"/>
+          </p:cNvSpPr>
+          <p:nvPr>
+            <p:ph type="title"/>
+          </p:nvPr>
+        </p:nvSpPr>
+        <p:spPr/>
+        <p:txBody>
+          <a:bodyPr/>
+          <a:lstStyle/>
+          <a:p>
+            <a:r>
+              <a:rPr lang="en-GB" dirty="0" err="1"/>
+              <a:t>Fertiger</a:t>
+            </a:r>
+            <a:r>
+              <a:rPr lang="en-GB" dirty="0"/>
+              <a:t> </a:t>
+            </a:r>
+            <a:r>
+              <a:rPr lang="en-GB"/>
+              <a:t>Roboter</a:t>
+            </a:r>
+          </a:p>
+        </p:txBody>
+      </p:sp>
+      <p:sp>
+        <p:nvSpPr>
+          <p:cNvPr id="3" name="Inhaltsplatzhalter 2">
+            <a:extLst>
+              <a:ext uri="{FF2B5EF4-FFF2-40B4-BE49-F238E27FC236}">
+                <a16:creationId xmlns:a16="http://schemas.microsoft.com/office/drawing/2014/main" id="{23F9B12D-A313-4B1B-8BC8-C9748C1E8813}"/>
+              </a:ext>
+            </a:extLst>
+          </p:cNvPr>
+          <p:cNvSpPr>
+            <a:spLocks noGrp="1"/>
+          </p:cNvSpPr>
+          <p:nvPr>
+            <p:ph idx="1"/>
+          </p:nvPr>
+        </p:nvSpPr>
+        <p:spPr/>
+        <p:txBody>
+          <a:bodyPr/>
+          <a:lstStyle/>
+          <a:p>
+            <a:endParaRPr lang="en-GB"/>
+          </a:p>
+        </p:txBody>
+      </p:sp>
+    </p:spTree>
+    <p:extLst>
+      <p:ext uri="{BB962C8B-B14F-4D97-AF65-F5344CB8AC3E}">
+        <p14:creationId xmlns:p14="http://schemas.microsoft.com/office/powerpoint/2010/main" val="1189330315"/>
       </p:ext>
     </p:extLst>
   </p:cSld>
